--- a/チーム分け.pptx
+++ b/チーム分け.pptx
@@ -6,11 +6,11 @@
   </p:sldMasterIdLst>
   <p:sldIdLst>
     <p:sldId id="256" r:id="rId2"/>
-    <p:sldId id="257" r:id="rId3"/>
-    <p:sldId id="258" r:id="rId4"/>
-    <p:sldId id="259" r:id="rId5"/>
-    <p:sldId id="260" r:id="rId6"/>
-    <p:sldId id="261" r:id="rId7"/>
+    <p:sldId id="259" r:id="rId3"/>
+    <p:sldId id="260" r:id="rId4"/>
+    <p:sldId id="261" r:id="rId5"/>
+    <p:sldId id="257" r:id="rId6"/>
+    <p:sldId id="258" r:id="rId7"/>
     <p:sldId id="262" r:id="rId8"/>
   </p:sldIdLst>
   <p:sldSz cx="12192000" cy="6858000"/>
@@ -110,6 +110,11 @@
       </a:defRPr>
     </a:lvl9pPr>
   </p:defaultTextStyle>
+  <p:extLst>
+    <p:ext uri="{EFAFB233-063F-42B5-8137-9DF3F51BA10A}">
+      <p15:sldGuideLst xmlns:p15="http://schemas.microsoft.com/office/powerpoint/2012/main"/>
+    </p:ext>
+  </p:extLst>
 </p:presentation>
 </file>
 
@@ -260,7 +265,7 @@
           <a:p>
             <a:fld id="{A089155C-ACBC-4AAB-8CE4-27F01F130B21}" type="datetimeFigureOut">
               <a:rPr kumimoji="1" lang="ja-JP" altLang="en-US" smtClean="0"/>
-              <a:t>2019/5/1</a:t>
+              <a:t>2019/5/3</a:t>
             </a:fld>
             <a:endParaRPr kumimoji="1" lang="ja-JP" altLang="en-US"/>
           </a:p>
@@ -490,7 +495,7 @@
           <a:p>
             <a:fld id="{A089155C-ACBC-4AAB-8CE4-27F01F130B21}" type="datetimeFigureOut">
               <a:rPr kumimoji="1" lang="ja-JP" altLang="en-US" smtClean="0"/>
-              <a:t>2019/5/1</a:t>
+              <a:t>2019/5/3</a:t>
             </a:fld>
             <a:endParaRPr kumimoji="1" lang="ja-JP" altLang="en-US"/>
           </a:p>
@@ -730,7 +735,7 @@
           <a:p>
             <a:fld id="{A089155C-ACBC-4AAB-8CE4-27F01F130B21}" type="datetimeFigureOut">
               <a:rPr kumimoji="1" lang="ja-JP" altLang="en-US" smtClean="0"/>
-              <a:t>2019/5/1</a:t>
+              <a:t>2019/5/3</a:t>
             </a:fld>
             <a:endParaRPr kumimoji="1" lang="ja-JP" altLang="en-US"/>
           </a:p>
@@ -960,7 +965,7 @@
           <a:p>
             <a:fld id="{A089155C-ACBC-4AAB-8CE4-27F01F130B21}" type="datetimeFigureOut">
               <a:rPr kumimoji="1" lang="ja-JP" altLang="en-US" smtClean="0"/>
-              <a:t>2019/5/1</a:t>
+              <a:t>2019/5/3</a:t>
             </a:fld>
             <a:endParaRPr kumimoji="1" lang="ja-JP" altLang="en-US"/>
           </a:p>
@@ -1235,7 +1240,7 @@
           <a:p>
             <a:fld id="{A089155C-ACBC-4AAB-8CE4-27F01F130B21}" type="datetimeFigureOut">
               <a:rPr kumimoji="1" lang="ja-JP" altLang="en-US" smtClean="0"/>
-              <a:t>2019/5/1</a:t>
+              <a:t>2019/5/3</a:t>
             </a:fld>
             <a:endParaRPr kumimoji="1" lang="ja-JP" altLang="en-US"/>
           </a:p>
@@ -1564,7 +1569,7 @@
           <a:p>
             <a:fld id="{A089155C-ACBC-4AAB-8CE4-27F01F130B21}" type="datetimeFigureOut">
               <a:rPr kumimoji="1" lang="ja-JP" altLang="en-US" smtClean="0"/>
-              <a:t>2019/5/1</a:t>
+              <a:t>2019/5/3</a:t>
             </a:fld>
             <a:endParaRPr kumimoji="1" lang="ja-JP" altLang="en-US"/>
           </a:p>
@@ -2040,7 +2045,7 @@
           <a:p>
             <a:fld id="{A089155C-ACBC-4AAB-8CE4-27F01F130B21}" type="datetimeFigureOut">
               <a:rPr kumimoji="1" lang="ja-JP" altLang="en-US" smtClean="0"/>
-              <a:t>2019/5/1</a:t>
+              <a:t>2019/5/3</a:t>
             </a:fld>
             <a:endParaRPr kumimoji="1" lang="ja-JP" altLang="en-US"/>
           </a:p>
@@ -2181,7 +2186,7 @@
           <a:p>
             <a:fld id="{A089155C-ACBC-4AAB-8CE4-27F01F130B21}" type="datetimeFigureOut">
               <a:rPr kumimoji="1" lang="ja-JP" altLang="en-US" smtClean="0"/>
-              <a:t>2019/5/1</a:t>
+              <a:t>2019/5/3</a:t>
             </a:fld>
             <a:endParaRPr kumimoji="1" lang="ja-JP" altLang="en-US"/>
           </a:p>
@@ -2294,7 +2299,7 @@
           <a:p>
             <a:fld id="{A089155C-ACBC-4AAB-8CE4-27F01F130B21}" type="datetimeFigureOut">
               <a:rPr kumimoji="1" lang="ja-JP" altLang="en-US" smtClean="0"/>
-              <a:t>2019/5/1</a:t>
+              <a:t>2019/5/3</a:t>
             </a:fld>
             <a:endParaRPr kumimoji="1" lang="ja-JP" altLang="en-US"/>
           </a:p>
@@ -2637,7 +2642,7 @@
           <a:p>
             <a:fld id="{A089155C-ACBC-4AAB-8CE4-27F01F130B21}" type="datetimeFigureOut">
               <a:rPr kumimoji="1" lang="ja-JP" altLang="en-US" smtClean="0"/>
-              <a:t>2019/5/1</a:t>
+              <a:t>2019/5/3</a:t>
             </a:fld>
             <a:endParaRPr kumimoji="1" lang="ja-JP" altLang="en-US"/>
           </a:p>
@@ -2925,7 +2930,7 @@
           <a:p>
             <a:fld id="{A089155C-ACBC-4AAB-8CE4-27F01F130B21}" type="datetimeFigureOut">
               <a:rPr kumimoji="1" lang="ja-JP" altLang="en-US" smtClean="0"/>
-              <a:t>2019/5/1</a:t>
+              <a:t>2019/5/3</a:t>
             </a:fld>
             <a:endParaRPr kumimoji="1" lang="ja-JP" altLang="en-US"/>
           </a:p>
@@ -3198,7 +3203,7 @@
           <a:p>
             <a:fld id="{A089155C-ACBC-4AAB-8CE4-27F01F130B21}" type="datetimeFigureOut">
               <a:rPr kumimoji="1" lang="ja-JP" altLang="en-US" smtClean="0"/>
-              <a:t>2019/5/1</a:t>
+              <a:t>2019/5/3</a:t>
             </a:fld>
             <a:endParaRPr kumimoji="1" lang="ja-JP" altLang="en-US"/>
           </a:p>
@@ -3825,7 +3830,7 @@
               <a:t>チーム</a:t>
             </a:r>
             <a:r>
-              <a:rPr lang="en-US" altLang="ja-JP" sz="8000" b="1" dirty="0">
+              <a:rPr kumimoji="1" lang="en-US" altLang="ja-JP" sz="8000" b="1" dirty="0">
                 <a:solidFill>
                   <a:schemeClr val="bg1"/>
                 </a:solidFill>
@@ -3873,42 +3878,49 @@
           <a:lstStyle/>
           <a:p>
             <a:r>
-              <a:rPr kumimoji="1" lang="ja-JP" altLang="en-US" sz="3600" dirty="0">
+              <a:rPr lang="en-US" altLang="ja-JP" sz="3600" dirty="0" err="1">
                 <a:solidFill>
                   <a:schemeClr val="bg1"/>
                 </a:solidFill>
                 <a:latin typeface="装甲明朝" panose="02000600000000000000" pitchFamily="2" charset="-128"/>
                 <a:ea typeface="装甲明朝" panose="02000600000000000000" pitchFamily="2" charset="-128"/>
               </a:rPr>
-              <a:t>なす・</a:t>
-            </a:r>
-            <a:r>
-              <a:rPr kumimoji="1" lang="en-US" altLang="ja-JP" sz="3600" dirty="0" err="1">
+              <a:t>shoi</a:t>
+            </a:r>
+            <a:r>
+              <a:rPr lang="ja-JP" altLang="en-US" sz="3600" dirty="0">
                 <a:solidFill>
                   <a:schemeClr val="bg1"/>
                 </a:solidFill>
                 <a:latin typeface="装甲明朝" panose="02000600000000000000" pitchFamily="2" charset="-128"/>
                 <a:ea typeface="装甲明朝" panose="02000600000000000000" pitchFamily="2" charset="-128"/>
               </a:rPr>
-              <a:t>raiki</a:t>
-            </a:r>
-            <a:r>
-              <a:rPr kumimoji="1" lang="ja-JP" altLang="en-US" sz="3600" dirty="0">
+              <a:t>・あべべ・やっきい・</a:t>
+            </a:r>
+            <a:r>
+              <a:rPr lang="en-US" altLang="ja-JP" sz="3600" dirty="0" err="1">
                 <a:solidFill>
                   <a:schemeClr val="bg1"/>
                 </a:solidFill>
                 <a:latin typeface="装甲明朝" panose="02000600000000000000" pitchFamily="2" charset="-128"/>
                 <a:ea typeface="装甲明朝" panose="02000600000000000000" pitchFamily="2" charset="-128"/>
               </a:rPr>
-              <a:t>・エア・ヤナギ・もやし</a:t>
-            </a:r>
+              <a:t>homu</a:t>
+            </a:r>
+            <a:endParaRPr kumimoji="1" lang="ja-JP" altLang="en-US" sz="3600" dirty="0">
+              <a:solidFill>
+                <a:schemeClr val="bg1"/>
+              </a:solidFill>
+              <a:latin typeface="装甲明朝" panose="02000600000000000000" pitchFamily="2" charset="-128"/>
+              <a:ea typeface="装甲明朝" panose="02000600000000000000" pitchFamily="2" charset="-128"/>
+            </a:endParaRPr>
           </a:p>
         </p:txBody>
       </p:sp>
     </p:spTree>
     <p:extLst>
       <p:ext uri="{BB962C8B-B14F-4D97-AF65-F5344CB8AC3E}">
-        <p14:creationId xmlns:p14="http://schemas.microsoft.com/office/powerpoint/2010/main" val="2085271766"/>
+        <p14:creationId xmlns:p14="http://schemas.microsoft.com/office/powerpoint/2010/main" val="1558215167"/>
       </p:ext>
     </p:extLst>
   </p:cSld>
@@ -3985,7 +3997,7 @@
               <a:t>チーム</a:t>
             </a:r>
             <a:r>
-              <a:rPr kumimoji="1" lang="en-US" altLang="ja-JP" sz="8000" b="1" dirty="0">
+              <a:rPr lang="en-US" altLang="ja-JP" sz="8000" b="1" dirty="0">
                 <a:solidFill>
                   <a:schemeClr val="bg1"/>
                 </a:solidFill>
@@ -4033,59 +4045,22 @@
           <a:lstStyle/>
           <a:p>
             <a:r>
-              <a:rPr lang="ja-JP" altLang="en-US" sz="3600" dirty="0">
+              <a:rPr kumimoji="1" lang="ja-JP" altLang="en-US" sz="3600" dirty="0">
                 <a:solidFill>
                   <a:schemeClr val="bg1"/>
                 </a:solidFill>
                 <a:latin typeface="装甲明朝" panose="02000600000000000000" pitchFamily="2" charset="-128"/>
                 <a:ea typeface="装甲明朝" panose="02000600000000000000" pitchFamily="2" charset="-128"/>
               </a:rPr>
-              <a:t>すぷーん・</a:t>
-            </a:r>
-            <a:r>
-              <a:rPr lang="en-US" altLang="ja-JP" sz="3600" dirty="0">
-                <a:solidFill>
-                  <a:schemeClr val="bg1"/>
-                </a:solidFill>
-                <a:latin typeface="装甲明朝" panose="02000600000000000000" pitchFamily="2" charset="-128"/>
-                <a:ea typeface="装甲明朝" panose="02000600000000000000" pitchFamily="2" charset="-128"/>
-              </a:rPr>
-              <a:t>Shiro</a:t>
-            </a:r>
-            <a:r>
-              <a:rPr lang="ja-JP" altLang="en-US" sz="3600" dirty="0">
-                <a:solidFill>
-                  <a:schemeClr val="bg1"/>
-                </a:solidFill>
-                <a:latin typeface="装甲明朝" panose="02000600000000000000" pitchFamily="2" charset="-128"/>
-                <a:ea typeface="装甲明朝" panose="02000600000000000000" pitchFamily="2" charset="-128"/>
-              </a:rPr>
-              <a:t>・シュガー・</a:t>
-            </a:r>
-            <a:r>
-              <a:rPr lang="en-US" altLang="ja-JP" sz="3600" dirty="0">
-                <a:solidFill>
-                  <a:schemeClr val="bg1"/>
-                </a:solidFill>
-                <a:latin typeface="装甲明朝" panose="02000600000000000000" pitchFamily="2" charset="-128"/>
-                <a:ea typeface="装甲明朝" panose="02000600000000000000" pitchFamily="2" charset="-128"/>
-              </a:rPr>
-              <a:t>LEO</a:t>
-            </a:r>
-            <a:endParaRPr kumimoji="1" lang="ja-JP" altLang="en-US" sz="3600" dirty="0">
-              <a:solidFill>
-                <a:schemeClr val="bg1"/>
-              </a:solidFill>
-              <a:latin typeface="装甲明朝" panose="02000600000000000000" pitchFamily="2" charset="-128"/>
-              <a:ea typeface="装甲明朝" panose="02000600000000000000" pitchFamily="2" charset="-128"/>
-            </a:endParaRPr>
+              <a:t>スギちゃん・くろねこ・フジ・ドラドラ</a:t>
+            </a:r>
           </a:p>
         </p:txBody>
       </p:sp>
     </p:spTree>
     <p:extLst>
       <p:ext uri="{BB962C8B-B14F-4D97-AF65-F5344CB8AC3E}">
-        <p14:creationId xmlns:p14="http://schemas.microsoft.com/office/powerpoint/2010/main" val="977160393"/>
+        <p14:creationId xmlns:p14="http://schemas.microsoft.com/office/powerpoint/2010/main" val="4182987441"/>
       </p:ext>
     </p:extLst>
   </p:cSld>
@@ -4162,7 +4137,7 @@
               <a:t>チーム</a:t>
             </a:r>
             <a:r>
-              <a:rPr lang="en-US" altLang="ja-JP" sz="8000" b="1" dirty="0">
+              <a:rPr kumimoji="1" lang="en-US" altLang="ja-JP" sz="8000" b="1" dirty="0">
                 <a:solidFill>
                   <a:schemeClr val="bg1"/>
                 </a:solidFill>
@@ -4210,49 +4185,22 @@
           <a:lstStyle/>
           <a:p>
             <a:r>
-              <a:rPr lang="en-US" altLang="ja-JP" sz="3600" dirty="0" err="1">
+              <a:rPr kumimoji="1" lang="ja-JP" altLang="en-US" sz="3600" dirty="0">
                 <a:solidFill>
                   <a:schemeClr val="bg1"/>
                 </a:solidFill>
                 <a:latin typeface="装甲明朝" panose="02000600000000000000" pitchFamily="2" charset="-128"/>
                 <a:ea typeface="装甲明朝" panose="02000600000000000000" pitchFamily="2" charset="-128"/>
               </a:rPr>
-              <a:t>shoi</a:t>
-            </a:r>
-            <a:r>
-              <a:rPr lang="ja-JP" altLang="en-US" sz="3600" dirty="0">
-                <a:solidFill>
-                  <a:schemeClr val="bg1"/>
-                </a:solidFill>
-                <a:latin typeface="装甲明朝" panose="02000600000000000000" pitchFamily="2" charset="-128"/>
-                <a:ea typeface="装甲明朝" panose="02000600000000000000" pitchFamily="2" charset="-128"/>
-              </a:rPr>
-              <a:t>・あべべ・やっきい・</a:t>
-            </a:r>
-            <a:r>
-              <a:rPr lang="en-US" altLang="ja-JP" sz="3600" dirty="0" err="1">
-                <a:solidFill>
-                  <a:schemeClr val="bg1"/>
-                </a:solidFill>
-                <a:latin typeface="装甲明朝" panose="02000600000000000000" pitchFamily="2" charset="-128"/>
-                <a:ea typeface="装甲明朝" panose="02000600000000000000" pitchFamily="2" charset="-128"/>
-              </a:rPr>
-              <a:t>homu</a:t>
-            </a:r>
-            <a:endParaRPr kumimoji="1" lang="ja-JP" altLang="en-US" sz="3600" dirty="0">
-              <a:solidFill>
-                <a:schemeClr val="bg1"/>
-              </a:solidFill>
-              <a:latin typeface="装甲明朝" panose="02000600000000000000" pitchFamily="2" charset="-128"/>
-              <a:ea typeface="装甲明朝" panose="02000600000000000000" pitchFamily="2" charset="-128"/>
-            </a:endParaRPr>
+              <a:t>くまちゃん・なかいちゃん・だいず・みん</a:t>
+            </a:r>
           </a:p>
         </p:txBody>
       </p:sp>
     </p:spTree>
     <p:extLst>
       <p:ext uri="{BB962C8B-B14F-4D97-AF65-F5344CB8AC3E}">
-        <p14:creationId xmlns:p14="http://schemas.microsoft.com/office/powerpoint/2010/main" val="1558215167"/>
+        <p14:creationId xmlns:p14="http://schemas.microsoft.com/office/powerpoint/2010/main" val="2284142026"/>
       </p:ext>
     </p:extLst>
   </p:cSld>
@@ -4384,7 +4332,27 @@
                 <a:latin typeface="装甲明朝" panose="02000600000000000000" pitchFamily="2" charset="-128"/>
                 <a:ea typeface="装甲明朝" panose="02000600000000000000" pitchFamily="2" charset="-128"/>
               </a:rPr>
-              <a:t>スギちゃん・くろねこ・フジ・ドラドラ</a:t>
+              <a:t>なす・</a:t>
+            </a:r>
+            <a:r>
+              <a:rPr kumimoji="1" lang="en-US" altLang="ja-JP" sz="3600" dirty="0" err="1">
+                <a:solidFill>
+                  <a:schemeClr val="bg1"/>
+                </a:solidFill>
+                <a:latin typeface="装甲明朝" panose="02000600000000000000" pitchFamily="2" charset="-128"/>
+                <a:ea typeface="装甲明朝" panose="02000600000000000000" pitchFamily="2" charset="-128"/>
+              </a:rPr>
+              <a:t>raiki</a:t>
+            </a:r>
+            <a:r>
+              <a:rPr kumimoji="1" lang="ja-JP" altLang="en-US" sz="3600" dirty="0">
+                <a:solidFill>
+                  <a:schemeClr val="bg1"/>
+                </a:solidFill>
+                <a:latin typeface="装甲明朝" panose="02000600000000000000" pitchFamily="2" charset="-128"/>
+                <a:ea typeface="装甲明朝" panose="02000600000000000000" pitchFamily="2" charset="-128"/>
+              </a:rPr>
+              <a:t>・エア・ヤナギ・もやし</a:t>
             </a:r>
           </a:p>
         </p:txBody>
@@ -4392,7 +4360,7 @@
     </p:spTree>
     <p:extLst>
       <p:ext uri="{BB962C8B-B14F-4D97-AF65-F5344CB8AC3E}">
-        <p14:creationId xmlns:p14="http://schemas.microsoft.com/office/powerpoint/2010/main" val="4182987441"/>
+        <p14:creationId xmlns:p14="http://schemas.microsoft.com/office/powerpoint/2010/main" val="2085271766"/>
       </p:ext>
     </p:extLst>
   </p:cSld>
@@ -4517,22 +4485,59 @@
           <a:lstStyle/>
           <a:p>
             <a:r>
-              <a:rPr kumimoji="1" lang="ja-JP" altLang="en-US" sz="3600" dirty="0">
+              <a:rPr lang="ja-JP" altLang="en-US" sz="3600" dirty="0">
                 <a:solidFill>
                   <a:schemeClr val="bg1"/>
                 </a:solidFill>
                 <a:latin typeface="装甲明朝" panose="02000600000000000000" pitchFamily="2" charset="-128"/>
                 <a:ea typeface="装甲明朝" panose="02000600000000000000" pitchFamily="2" charset="-128"/>
               </a:rPr>
-              <a:t>くまちゃん・なかいちゃん・だいず・みん</a:t>
-            </a:r>
+              <a:t>すぷーん・</a:t>
+            </a:r>
+            <a:r>
+              <a:rPr lang="en-US" altLang="ja-JP" sz="3600" dirty="0">
+                <a:solidFill>
+                  <a:schemeClr val="bg1"/>
+                </a:solidFill>
+                <a:latin typeface="装甲明朝" panose="02000600000000000000" pitchFamily="2" charset="-128"/>
+                <a:ea typeface="装甲明朝" panose="02000600000000000000" pitchFamily="2" charset="-128"/>
+              </a:rPr>
+              <a:t>Shiro</a:t>
+            </a:r>
+            <a:r>
+              <a:rPr lang="ja-JP" altLang="en-US" sz="3600" dirty="0">
+                <a:solidFill>
+                  <a:schemeClr val="bg1"/>
+                </a:solidFill>
+                <a:latin typeface="装甲明朝" panose="02000600000000000000" pitchFamily="2" charset="-128"/>
+                <a:ea typeface="装甲明朝" panose="02000600000000000000" pitchFamily="2" charset="-128"/>
+              </a:rPr>
+              <a:t>・シュガー・</a:t>
+            </a:r>
+            <a:r>
+              <a:rPr lang="en-US" altLang="ja-JP" sz="3600" dirty="0">
+                <a:solidFill>
+                  <a:schemeClr val="bg1"/>
+                </a:solidFill>
+                <a:latin typeface="装甲明朝" panose="02000600000000000000" pitchFamily="2" charset="-128"/>
+                <a:ea typeface="装甲明朝" panose="02000600000000000000" pitchFamily="2" charset="-128"/>
+              </a:rPr>
+              <a:t>LEO</a:t>
+            </a:r>
+            <a:endParaRPr kumimoji="1" lang="ja-JP" altLang="en-US" sz="3600" dirty="0">
+              <a:solidFill>
+                <a:schemeClr val="bg1"/>
+              </a:solidFill>
+              <a:latin typeface="装甲明朝" panose="02000600000000000000" pitchFamily="2" charset="-128"/>
+              <a:ea typeface="装甲明朝" panose="02000600000000000000" pitchFamily="2" charset="-128"/>
+            </a:endParaRPr>
           </a:p>
         </p:txBody>
       </p:sp>
     </p:spTree>
     <p:extLst>
       <p:ext uri="{BB962C8B-B14F-4D97-AF65-F5344CB8AC3E}">
-        <p14:creationId xmlns:p14="http://schemas.microsoft.com/office/powerpoint/2010/main" val="2284142026"/>
+        <p14:creationId xmlns:p14="http://schemas.microsoft.com/office/powerpoint/2010/main" val="977160393"/>
       </p:ext>
     </p:extLst>
   </p:cSld>
